--- a/Summary_IMDB Dataset.pptx
+++ b/Summary_IMDB Dataset.pptx
@@ -107,6 +107,11 @@
       </a:defRPr>
     </a:lvl9pPr>
   </p:defaultTextStyle>
+  <p:extLst>
+    <p:ext uri="{EFAFB233-063F-42B5-8137-9DF3F51BA10A}">
+      <p15:sldGuideLst xmlns:p15="http://schemas.microsoft.com/office/powerpoint/2012/main"/>
+    </p:ext>
+  </p:extLst>
 </p:presentation>
 </file>
 
@@ -124,37 +129,7 @@
     </mc:Fallback>
   </mc:AlternateContent>
   <c:chart>
-    <c:title>
-      <c:overlay val="0"/>
-      <c:spPr>
-        <a:noFill/>
-        <a:ln>
-          <a:noFill/>
-        </a:ln>
-        <a:effectLst/>
-      </c:spPr>
-      <c:txPr>
-        <a:bodyPr rot="0" spcFirstLastPara="1" vertOverflow="ellipsis" vert="horz" wrap="square" anchor="ctr" anchorCtr="1"/>
-        <a:lstStyle/>
-        <a:p>
-          <a:pPr>
-            <a:defRPr sz="1400" b="0" i="0" u="none" strike="noStrike" kern="1200" spc="0" baseline="0">
-              <a:solidFill>
-                <a:schemeClr val="tx1">
-                  <a:lumMod val="65000"/>
-                  <a:lumOff val="35000"/>
-                </a:schemeClr>
-              </a:solidFill>
-              <a:latin typeface="+mn-lt"/>
-              <a:ea typeface="+mn-ea"/>
-              <a:cs typeface="+mn-cs"/>
-            </a:defRPr>
-          </a:pPr>
-          <a:endParaRPr lang="en-US"/>
-        </a:p>
-      </c:txPr>
-    </c:title>
-    <c:autoTitleDeleted val="0"/>
+    <c:autoTitleDeleted val="1"/>
     <c:plotArea>
       <c:layout/>
       <c:barChart>
@@ -1216,7 +1191,7 @@
           <a:p>
             <a:fld id="{3E39E581-6020-DB49-800E-C4C67886679A}" type="datetimeFigureOut">
               <a:rPr lang="en-US" smtClean="0"/>
-              <a:t>2/4/20</a:t>
+              <a:t>2/7/20</a:t>
             </a:fld>
             <a:endParaRPr lang="en-US"/>
           </a:p>
@@ -1414,7 +1389,7 @@
           <a:p>
             <a:fld id="{3E39E581-6020-DB49-800E-C4C67886679A}" type="datetimeFigureOut">
               <a:rPr lang="en-US" smtClean="0"/>
-              <a:t>2/4/20</a:t>
+              <a:t>2/7/20</a:t>
             </a:fld>
             <a:endParaRPr lang="en-US"/>
           </a:p>
@@ -1622,7 +1597,7 @@
           <a:p>
             <a:fld id="{3E39E581-6020-DB49-800E-C4C67886679A}" type="datetimeFigureOut">
               <a:rPr lang="en-US" smtClean="0"/>
-              <a:t>2/4/20</a:t>
+              <a:t>2/7/20</a:t>
             </a:fld>
             <a:endParaRPr lang="en-US"/>
           </a:p>
@@ -1820,7 +1795,7 @@
           <a:p>
             <a:fld id="{3E39E581-6020-DB49-800E-C4C67886679A}" type="datetimeFigureOut">
               <a:rPr lang="en-US" smtClean="0"/>
-              <a:t>2/4/20</a:t>
+              <a:t>2/7/20</a:t>
             </a:fld>
             <a:endParaRPr lang="en-US"/>
           </a:p>
@@ -2095,7 +2070,7 @@
           <a:p>
             <a:fld id="{3E39E581-6020-DB49-800E-C4C67886679A}" type="datetimeFigureOut">
               <a:rPr lang="en-US" smtClean="0"/>
-              <a:t>2/4/20</a:t>
+              <a:t>2/7/20</a:t>
             </a:fld>
             <a:endParaRPr lang="en-US"/>
           </a:p>
@@ -2360,7 +2335,7 @@
           <a:p>
             <a:fld id="{3E39E581-6020-DB49-800E-C4C67886679A}" type="datetimeFigureOut">
               <a:rPr lang="en-US" smtClean="0"/>
-              <a:t>2/4/20</a:t>
+              <a:t>2/7/20</a:t>
             </a:fld>
             <a:endParaRPr lang="en-US"/>
           </a:p>
@@ -2772,7 +2747,7 @@
           <a:p>
             <a:fld id="{3E39E581-6020-DB49-800E-C4C67886679A}" type="datetimeFigureOut">
               <a:rPr lang="en-US" smtClean="0"/>
-              <a:t>2/4/20</a:t>
+              <a:t>2/7/20</a:t>
             </a:fld>
             <a:endParaRPr lang="en-US"/>
           </a:p>
@@ -2913,7 +2888,7 @@
           <a:p>
             <a:fld id="{3E39E581-6020-DB49-800E-C4C67886679A}" type="datetimeFigureOut">
               <a:rPr lang="en-US" smtClean="0"/>
-              <a:t>2/4/20</a:t>
+              <a:t>2/7/20</a:t>
             </a:fld>
             <a:endParaRPr lang="en-US"/>
           </a:p>
@@ -3026,7 +3001,7 @@
           <a:p>
             <a:fld id="{3E39E581-6020-DB49-800E-C4C67886679A}" type="datetimeFigureOut">
               <a:rPr lang="en-US" smtClean="0"/>
-              <a:t>2/4/20</a:t>
+              <a:t>2/7/20</a:t>
             </a:fld>
             <a:endParaRPr lang="en-US"/>
           </a:p>
@@ -3337,7 +3312,7 @@
           <a:p>
             <a:fld id="{3E39E581-6020-DB49-800E-C4C67886679A}" type="datetimeFigureOut">
               <a:rPr lang="en-US" smtClean="0"/>
-              <a:t>2/4/20</a:t>
+              <a:t>2/7/20</a:t>
             </a:fld>
             <a:endParaRPr lang="en-US"/>
           </a:p>
@@ -3625,7 +3600,7 @@
           <a:p>
             <a:fld id="{3E39E581-6020-DB49-800E-C4C67886679A}" type="datetimeFigureOut">
               <a:rPr lang="en-US" smtClean="0"/>
-              <a:t>2/4/20</a:t>
+              <a:t>2/7/20</a:t>
             </a:fld>
             <a:endParaRPr lang="en-US"/>
           </a:p>
@@ -3866,7 +3841,7 @@
           <a:p>
             <a:fld id="{3E39E581-6020-DB49-800E-C4C67886679A}" type="datetimeFigureOut">
               <a:rPr lang="en-US" smtClean="0"/>
-              <a:t>2/4/20</a:t>
+              <a:t>2/7/20</a:t>
             </a:fld>
             <a:endParaRPr lang="en-US"/>
           </a:p>
@@ -4414,14 +4389,19 @@
             <p:ph idx="1"/>
           </p:nvPr>
         </p:nvSpPr>
-        <p:spPr/>
+        <p:spPr>
+          <a:xfrm>
+            <a:off x="838200" y="1825625"/>
+            <a:ext cx="10515600" cy="2916496"/>
+          </a:xfrm>
+        </p:spPr>
         <p:txBody>
           <a:bodyPr/>
           <a:lstStyle/>
           <a:p>
             <a:r>
               <a:rPr lang="en-US" dirty="0"/>
-              <a:t>The validation accuracy has been chosen from epoch point where it takes the peak. </a:t>
+              <a:t>The validation accuracy has been chosen from epoch point where it takes the peak and gives the lowest loss. </a:t>
             </a:r>
           </a:p>
           <a:p>
@@ -5320,8 +5300,8 @@
         </p:nvSpPr>
         <p:spPr>
           <a:xfrm>
-            <a:off x="838200" y="365125"/>
-            <a:ext cx="10515600" cy="1325563"/>
+            <a:off x="838200" y="281520"/>
+            <a:ext cx="10515600" cy="846158"/>
           </a:xfrm>
         </p:spPr>
         <p:txBody>
@@ -5331,7 +5311,7 @@
           <a:lstStyle/>
           <a:p>
             <a:r>
-              <a:rPr lang="en-US" sz="3600" dirty="0"/>
+              <a:rPr lang="en-US" sz="2400" dirty="0"/>
               <a:t>Dropout Technique With Highest Validation Accuracy</a:t>
             </a:r>
           </a:p>
@@ -5353,13 +5333,13 @@
             <p:ph idx="1"/>
             <p:extLst>
               <p:ext uri="{D42A27DB-BD31-4B8C-83A1-F6EECF244321}">
-                <p14:modId xmlns:p14="http://schemas.microsoft.com/office/powerpoint/2010/main" val="3262821025"/>
+                <p14:modId xmlns:p14="http://schemas.microsoft.com/office/powerpoint/2010/main" val="1418864990"/>
               </p:ext>
             </p:extLst>
           </p:nvPr>
         </p:nvGraphicFramePr>
         <p:xfrm>
-          <a:off x="838200" y="1825625"/>
+          <a:off x="838200" y="1714024"/>
           <a:ext cx="10515600" cy="4351338"/>
         </p:xfrm>
         <a:graphic>
